--- a/lecture_slides/stacks.pptx
+++ b/lecture_slides/stacks.pptx
@@ -275,7 +275,7 @@
             <a:fld id="{A454A267-6D32-4402-B19A-C2E2B0D7E352}" type="datetime1">
               <a:rPr lang="en-US"/>
               <a:pPr/>
-              <a:t>7/10/19</a:t>
+              <a:t>12/10/22</a:t>
             </a:fld>
             <a:endParaRPr lang="en-US"/>
           </a:p>
@@ -637,10 +637,10 @@
           </a:ln>
           <a:extLst>
             <a:ext uri="{FAA26D3D-D897-4be2-8F04-BA451C77F1D7}">
-              <ma14:placeholderFlag xmlns:ma14="http://schemas.microsoft.com/office/mac/drawingml/2011/main" xmlns="" val="1"/>
+              <ma14:placeholderFlag xmlns="" xmlns:ma14="http://schemas.microsoft.com/office/mac/drawingml/2011/main" val="1"/>
             </a:ext>
             <a:ext uri="{909E8E84-426E-40dd-AFC4-6F175D3DCCD1}">
-              <a14:hiddenFill xmlns:a14="http://schemas.microsoft.com/office/drawing/2010/main" xmlns="">
+              <a14:hiddenFill xmlns="" xmlns:a14="http://schemas.microsoft.com/office/drawing/2010/main">
                 <a:solidFill>
                   <a:srgbClr val="FFFFFF"/>
                 </a:solidFill>
@@ -663,17 +663,17 @@
           <a:noFill/>
           <a:extLst>
             <a:ext uri="{FAA26D3D-D897-4be2-8F04-BA451C77F1D7}">
-              <ma14:placeholderFlag xmlns:ma14="http://schemas.microsoft.com/office/mac/drawingml/2011/main" xmlns="" val="1"/>
+              <ma14:placeholderFlag xmlns="" xmlns:ma14="http://schemas.microsoft.com/office/mac/drawingml/2011/main" val="1"/>
             </a:ext>
             <a:ext uri="{909E8E84-426E-40dd-AFC4-6F175D3DCCD1}">
-              <a14:hiddenFill xmlns:a14="http://schemas.microsoft.com/office/drawing/2010/main" xmlns="">
+              <a14:hiddenFill xmlns="" xmlns:a14="http://schemas.microsoft.com/office/drawing/2010/main">
                 <a:solidFill>
                   <a:srgbClr val="FFFFFF"/>
                 </a:solidFill>
               </a14:hiddenFill>
             </a:ext>
             <a:ext uri="{91240B29-F687-4f45-9708-019B960494DF}">
-              <a14:hiddenLine xmlns:a14="http://schemas.microsoft.com/office/drawing/2010/main" xmlns="" w="9525">
+              <a14:hiddenLine xmlns="" xmlns:a14="http://schemas.microsoft.com/office/drawing/2010/main" w="9525">
                 <a:solidFill>
                   <a:srgbClr val="000000"/>
                 </a:solidFill>
@@ -710,14 +710,14 @@
           <a:noFill/>
           <a:extLst>
             <a:ext uri="{909E8E84-426E-40dd-AFC4-6F175D3DCCD1}">
-              <a14:hiddenFill xmlns:a14="http://schemas.microsoft.com/office/drawing/2010/main" xmlns="">
+              <a14:hiddenFill xmlns="" xmlns:a14="http://schemas.microsoft.com/office/drawing/2010/main">
                 <a:solidFill>
                   <a:srgbClr val="FFFFFF"/>
                 </a:solidFill>
               </a14:hiddenFill>
             </a:ext>
             <a:ext uri="{91240B29-F687-4f45-9708-019B960494DF}">
-              <a14:hiddenLine xmlns:a14="http://schemas.microsoft.com/office/drawing/2010/main" xmlns="" w="9525">
+              <a14:hiddenLine xmlns="" xmlns:a14="http://schemas.microsoft.com/office/drawing/2010/main" w="9525">
                 <a:solidFill>
                   <a:srgbClr val="000000"/>
                 </a:solidFill>
@@ -3044,7 +3044,7 @@
             <a:fld id="{E09AD6F9-13D0-41FB-BE7B-D9E4D2F0E92B}" type="datetime1">
               <a:rPr lang="en-US" smtClean="0"/>
               <a:pPr/>
-              <a:t>7/10/19</a:t>
+              <a:t>12/10/22</a:t>
             </a:fld>
             <a:endParaRPr lang="en-US"/>
           </a:p>
@@ -3268,7 +3268,7 @@
             <a:fld id="{77AF488D-4D69-45D4-96A3-1C5661330254}" type="datetime1">
               <a:rPr lang="en-US" smtClean="0"/>
               <a:pPr/>
-              <a:t>7/10/19</a:t>
+              <a:t>12/10/22</a:t>
             </a:fld>
             <a:endParaRPr lang="en-US"/>
           </a:p>
@@ -3502,7 +3502,7 @@
             <a:fld id="{30783285-9ED5-41A0-A7C6-D92511BA15FA}" type="datetime1">
               <a:rPr lang="en-US" smtClean="0"/>
               <a:pPr/>
-              <a:t>7/10/19</a:t>
+              <a:t>12/10/22</a:t>
             </a:fld>
             <a:endParaRPr lang="en-US"/>
           </a:p>
@@ -3726,7 +3726,7 @@
             <a:fld id="{0803D500-87BB-4950-91D6-CAE90ADA5A7C}" type="datetime1">
               <a:rPr lang="en-US" smtClean="0"/>
               <a:pPr/>
-              <a:t>7/10/19</a:t>
+              <a:t>12/10/22</a:t>
             </a:fld>
             <a:endParaRPr lang="en-US" dirty="0"/>
           </a:p>
@@ -4027,7 +4027,7 @@
             <a:fld id="{BF533223-0B88-40C3-8839-7D06D2423A38}" type="datetime1">
               <a:rPr lang="en-US" smtClean="0"/>
               <a:pPr/>
-              <a:t>7/10/19</a:t>
+              <a:t>12/10/22</a:t>
             </a:fld>
             <a:endParaRPr lang="en-US"/>
           </a:p>
@@ -4368,7 +4368,7 @@
             <a:fld id="{2CC1C52B-29C4-4F13-A058-4E92FD64E08C}" type="datetime1">
               <a:rPr lang="en-US" smtClean="0"/>
               <a:pPr/>
-              <a:t>7/10/19</a:t>
+              <a:t>12/10/22</a:t>
             </a:fld>
             <a:endParaRPr lang="en-US"/>
           </a:p>
@@ -4843,7 +4843,7 @@
             <a:fld id="{6F248663-A60D-448A-8FC0-03CA8A99F1EA}" type="datetime1">
               <a:rPr lang="en-US" smtClean="0"/>
               <a:pPr/>
-              <a:t>7/10/19</a:t>
+              <a:t>12/10/22</a:t>
             </a:fld>
             <a:endParaRPr lang="en-US"/>
           </a:p>
@@ -5016,7 +5016,7 @@
             <a:fld id="{6D45F553-873C-4099-BC24-D40961381BAE}" type="datetime1">
               <a:rPr lang="en-US" smtClean="0"/>
               <a:pPr/>
-              <a:t>7/10/19</a:t>
+              <a:t>12/10/22</a:t>
             </a:fld>
             <a:endParaRPr lang="en-US"/>
           </a:p>
@@ -5167,7 +5167,7 @@
             <a:fld id="{FFDE9422-1655-4D93-BF44-07740897DB75}" type="datetime1">
               <a:rPr lang="en-US" smtClean="0"/>
               <a:pPr/>
-              <a:t>7/10/19</a:t>
+              <a:t>12/10/22</a:t>
             </a:fld>
             <a:endParaRPr lang="en-US"/>
           </a:p>
@@ -5498,7 +5498,7 @@
             <a:fld id="{2CA32EA0-F3C9-4DD5-8B2D-AC3F456587CE}" type="datetime1">
               <a:rPr lang="en-US" smtClean="0"/>
               <a:pPr/>
-              <a:t>7/10/19</a:t>
+              <a:t>12/10/22</a:t>
             </a:fld>
             <a:endParaRPr lang="en-US"/>
           </a:p>
@@ -5809,7 +5809,7 @@
             <a:fld id="{F12DBC1D-DE4C-42ED-8A40-DA5274C15AFB}" type="datetime1">
               <a:rPr lang="en-US" smtClean="0"/>
               <a:pPr/>
-              <a:t>7/10/19</a:t>
+              <a:t>12/10/22</a:t>
             </a:fld>
             <a:endParaRPr lang="en-US"/>
           </a:p>
@@ -6474,7 +6474,12 @@
             <p:ph type="ctrTitle"/>
           </p:nvPr>
         </p:nvSpPr>
-        <p:spPr/>
+        <p:spPr>
+          <a:xfrm>
+            <a:off x="685800" y="29378"/>
+            <a:ext cx="7772400" cy="1470025"/>
+          </a:xfrm>
+        </p:spPr>
         <p:txBody>
           <a:bodyPr/>
           <a:lstStyle/>
@@ -6484,57 +6489,733 @@
                 <a:latin typeface="Trebuchet MS" charset="0"/>
                 <a:ea typeface="ＭＳ Ｐゴシック" charset="0"/>
               </a:rPr>
-              <a:t>12. Procedures &amp; Stacks</a:t>
-            </a:r>
+              <a:t>Procedures &amp; Stacks</a:t>
+            </a:r>
+          </a:p>
+        </p:txBody>
+      </p:sp>
+      <p:pic>
+        <p:nvPicPr>
+          <p:cNvPr id="5" name="Picture 387">
+            <a:extLst>
+              <a:ext uri="{FF2B5EF4-FFF2-40B4-BE49-F238E27FC236}">
+                <a16:creationId xmlns:a16="http://schemas.microsoft.com/office/drawing/2014/main" id="{240F8C6C-D3ED-6F50-EE83-2CEA20509135}"/>
+              </a:ext>
+            </a:extLst>
+          </p:cNvPr>
+          <p:cNvPicPr>
+            <a:picLocks noChangeAspect="1" noChangeArrowheads="1"/>
+          </p:cNvPicPr>
+          <p:nvPr/>
+        </p:nvPicPr>
+        <p:blipFill>
+          <a:blip r:embed="rId3">
+            <a:extLst>
+              <a:ext uri="{28A0092B-C50C-407E-A947-70E740481C1C}">
+                <a14:useLocalDpi xmlns:a14="http://schemas.microsoft.com/office/drawing/2010/main" val="0"/>
+              </a:ext>
+            </a:extLst>
+          </a:blip>
+          <a:srcRect/>
+          <a:stretch>
+            <a:fillRect/>
+          </a:stretch>
+        </p:blipFill>
+        <p:spPr bwMode="auto">
+          <a:xfrm>
+            <a:off x="3200400" y="2706688"/>
+            <a:ext cx="3443288" cy="3160712"/>
+          </a:xfrm>
+          <a:prstGeom prst="rect">
+            <a:avLst/>
+          </a:prstGeom>
+          <a:noFill/>
+          <a:ln>
+            <a:noFill/>
+          </a:ln>
+          <a:extLst>
+            <a:ext uri="{909E8E84-426E-40DD-AFC4-6F175D3DCCD1}">
+              <a14:hiddenFill xmlns:a14="http://schemas.microsoft.com/office/drawing/2010/main">
+                <a:solidFill>
+                  <a:srgbClr val="FFFFFF"/>
+                </a:solidFill>
+              </a14:hiddenFill>
+            </a:ext>
+            <a:ext uri="{91240B29-F687-4F45-9708-019B960494DF}">
+              <a14:hiddenLine xmlns:a14="http://schemas.microsoft.com/office/drawing/2010/main" w="9525">
+                <a:solidFill>
+                  <a:srgbClr val="000000"/>
+                </a:solidFill>
+                <a:miter lim="800000"/>
+                <a:headEnd/>
+                <a:tailEnd/>
+              </a14:hiddenLine>
+            </a:ext>
+          </a:extLst>
+        </p:spPr>
+      </p:pic>
+      <p:sp>
+        <p:nvSpPr>
+          <p:cNvPr id="6" name="AutoShape 383">
+            <a:extLst>
+              <a:ext uri="{FF2B5EF4-FFF2-40B4-BE49-F238E27FC236}">
+                <a16:creationId xmlns:a16="http://schemas.microsoft.com/office/drawing/2014/main" id="{098107DF-52BC-C4B4-B594-1E5F8B2560E1}"/>
+              </a:ext>
+            </a:extLst>
+          </p:cNvPr>
+          <p:cNvSpPr>
+            <a:spLocks noChangeArrowheads="1"/>
+          </p:cNvSpPr>
+          <p:nvPr/>
+        </p:nvSpPr>
+        <p:spPr bwMode="auto">
+          <a:xfrm>
+            <a:off x="990600" y="1447800"/>
+            <a:ext cx="2171700" cy="3563938"/>
+          </a:xfrm>
+          <a:prstGeom prst="wedgeRectCallout">
+            <a:avLst>
+              <a:gd name="adj1" fmla="val 75366"/>
+              <a:gd name="adj2" fmla="val -4255"/>
+            </a:avLst>
+          </a:prstGeom>
+          <a:solidFill>
+            <a:srgbClr val="CCECFF"/>
+          </a:solidFill>
+          <a:ln w="28575">
+            <a:solidFill>
+              <a:schemeClr val="tx1"/>
+            </a:solidFill>
+            <a:miter lim="800000"/>
+            <a:headEnd/>
+            <a:tailEnd/>
+          </a:ln>
+        </p:spPr>
+        <p:txBody>
+          <a:bodyPr wrap="none" anchor="ctr"/>
+          <a:lstStyle>
+            <a:lvl1pPr eaLnBrk="0" hangingPunct="0">
+              <a:defRPr sz="2400" b="1">
+                <a:solidFill>
+                  <a:schemeClr val="tx1"/>
+                </a:solidFill>
+                <a:latin typeface="Tekton Pro" pitchFamily="-84" charset="0"/>
+                <a:ea typeface="ＭＳ Ｐゴシック" panose="020B0600070205080204" pitchFamily="34" charset="-128"/>
+              </a:defRPr>
+            </a:lvl1pPr>
+            <a:lvl2pPr marL="742950" indent="-285750" eaLnBrk="0" hangingPunct="0">
+              <a:defRPr sz="2400" b="1">
+                <a:solidFill>
+                  <a:schemeClr val="tx1"/>
+                </a:solidFill>
+                <a:latin typeface="Tekton Pro" pitchFamily="-84" charset="0"/>
+                <a:ea typeface="ＭＳ Ｐゴシック" panose="020B0600070205080204" pitchFamily="34" charset="-128"/>
+              </a:defRPr>
+            </a:lvl2pPr>
+            <a:lvl3pPr marL="1143000" indent="-228600" eaLnBrk="0" hangingPunct="0">
+              <a:defRPr sz="2400" b="1">
+                <a:solidFill>
+                  <a:schemeClr val="tx1"/>
+                </a:solidFill>
+                <a:latin typeface="Tekton Pro" pitchFamily="-84" charset="0"/>
+                <a:ea typeface="ＭＳ Ｐゴシック" panose="020B0600070205080204" pitchFamily="34" charset="-128"/>
+              </a:defRPr>
+            </a:lvl3pPr>
+            <a:lvl4pPr marL="1600200" indent="-228600" eaLnBrk="0" hangingPunct="0">
+              <a:defRPr sz="2400" b="1">
+                <a:solidFill>
+                  <a:schemeClr val="tx1"/>
+                </a:solidFill>
+                <a:latin typeface="Tekton Pro" pitchFamily="-84" charset="0"/>
+                <a:ea typeface="ＭＳ Ｐゴシック" panose="020B0600070205080204" pitchFamily="34" charset="-128"/>
+              </a:defRPr>
+            </a:lvl4pPr>
+            <a:lvl5pPr marL="2057400" indent="-228600" eaLnBrk="0" hangingPunct="0">
+              <a:defRPr sz="2400" b="1">
+                <a:solidFill>
+                  <a:schemeClr val="tx1"/>
+                </a:solidFill>
+                <a:latin typeface="Tekton Pro" pitchFamily="-84" charset="0"/>
+                <a:ea typeface="ＭＳ Ｐゴシック" panose="020B0600070205080204" pitchFamily="34" charset="-128"/>
+              </a:defRPr>
+            </a:lvl5pPr>
+            <a:lvl6pPr marL="2514600" indent="-228600" algn="ctr" eaLnBrk="0" fontAlgn="base" hangingPunct="0">
+              <a:spcBef>
+                <a:spcPct val="0"/>
+              </a:spcBef>
+              <a:spcAft>
+                <a:spcPct val="0"/>
+              </a:spcAft>
+              <a:defRPr sz="2400" b="1">
+                <a:solidFill>
+                  <a:schemeClr val="tx1"/>
+                </a:solidFill>
+                <a:latin typeface="Tekton Pro" pitchFamily="-84" charset="0"/>
+                <a:ea typeface="ＭＳ Ｐゴシック" panose="020B0600070205080204" pitchFamily="34" charset="-128"/>
+              </a:defRPr>
+            </a:lvl6pPr>
+            <a:lvl7pPr marL="2971800" indent="-228600" algn="ctr" eaLnBrk="0" fontAlgn="base" hangingPunct="0">
+              <a:spcBef>
+                <a:spcPct val="0"/>
+              </a:spcBef>
+              <a:spcAft>
+                <a:spcPct val="0"/>
+              </a:spcAft>
+              <a:defRPr sz="2400" b="1">
+                <a:solidFill>
+                  <a:schemeClr val="tx1"/>
+                </a:solidFill>
+                <a:latin typeface="Tekton Pro" pitchFamily="-84" charset="0"/>
+                <a:ea typeface="ＭＳ Ｐゴシック" panose="020B0600070205080204" pitchFamily="34" charset="-128"/>
+              </a:defRPr>
+            </a:lvl7pPr>
+            <a:lvl8pPr marL="3429000" indent="-228600" algn="ctr" eaLnBrk="0" fontAlgn="base" hangingPunct="0">
+              <a:spcBef>
+                <a:spcPct val="0"/>
+              </a:spcBef>
+              <a:spcAft>
+                <a:spcPct val="0"/>
+              </a:spcAft>
+              <a:defRPr sz="2400" b="1">
+                <a:solidFill>
+                  <a:schemeClr val="tx1"/>
+                </a:solidFill>
+                <a:latin typeface="Tekton Pro" pitchFamily="-84" charset="0"/>
+                <a:ea typeface="ＭＳ Ｐゴシック" panose="020B0600070205080204" pitchFamily="34" charset="-128"/>
+              </a:defRPr>
+            </a:lvl8pPr>
+            <a:lvl9pPr marL="3886200" indent="-228600" algn="ctr" eaLnBrk="0" fontAlgn="base" hangingPunct="0">
+              <a:spcBef>
+                <a:spcPct val="0"/>
+              </a:spcBef>
+              <a:spcAft>
+                <a:spcPct val="0"/>
+              </a:spcAft>
+              <a:defRPr sz="2400" b="1">
+                <a:solidFill>
+                  <a:schemeClr val="tx1"/>
+                </a:solidFill>
+                <a:latin typeface="Tekton Pro" pitchFamily="-84" charset="0"/>
+                <a:ea typeface="ＭＳ Ｐゴシック" panose="020B0600070205080204" pitchFamily="34" charset="-128"/>
+              </a:defRPr>
+            </a:lvl9pPr>
+          </a:lstStyle>
+          <a:p>
+            <a:endParaRPr lang="en-US" altLang="en-US" sz="2000" b="0"/>
           </a:p>
         </p:txBody>
       </p:sp>
       <p:sp>
         <p:nvSpPr>
-          <p:cNvPr id="4" name="Subtitle 3"/>
+          <p:cNvPr id="7" name="AutoShape 384">
+            <a:extLst>
+              <a:ext uri="{FF2B5EF4-FFF2-40B4-BE49-F238E27FC236}">
+                <a16:creationId xmlns:a16="http://schemas.microsoft.com/office/drawing/2014/main" id="{AD043F4E-7020-DBEA-2207-D86BB3AD6D63}"/>
+              </a:ext>
+            </a:extLst>
+          </p:cNvPr>
           <p:cNvSpPr>
-            <a:spLocks noGrp="1"/>
+            <a:spLocks noChangeArrowheads="1"/>
           </p:cNvSpPr>
-          <p:nvPr>
-            <p:ph type="subTitle" idx="1"/>
-          </p:nvPr>
+          <p:nvPr/>
         </p:nvSpPr>
-        <p:spPr/>
+        <p:spPr bwMode="auto">
+          <a:xfrm>
+            <a:off x="5943600" y="1600200"/>
+            <a:ext cx="2819400" cy="1066800"/>
+          </a:xfrm>
+          <a:prstGeom prst="cloudCallout">
+            <a:avLst>
+              <a:gd name="adj1" fmla="val -53333"/>
+              <a:gd name="adj2" fmla="val 52472"/>
+            </a:avLst>
+          </a:prstGeom>
+          <a:solidFill>
+            <a:srgbClr val="FFFFCC"/>
+          </a:solidFill>
+          <a:ln w="22225">
+            <a:solidFill>
+              <a:schemeClr val="tx1"/>
+            </a:solidFill>
+            <a:round/>
+            <a:headEnd/>
+            <a:tailEnd/>
+          </a:ln>
+        </p:spPr>
         <p:txBody>
-          <a:bodyPr/>
-          <a:lstStyle/>
+          <a:bodyPr wrap="none" anchor="ctr"/>
+          <a:lstStyle>
+            <a:lvl1pPr eaLnBrk="0" hangingPunct="0">
+              <a:defRPr sz="2400" b="1">
+                <a:solidFill>
+                  <a:schemeClr val="tx1"/>
+                </a:solidFill>
+                <a:latin typeface="Tekton Pro" pitchFamily="-84" charset="0"/>
+                <a:ea typeface="ＭＳ Ｐゴシック" panose="020B0600070205080204" pitchFamily="34" charset="-128"/>
+              </a:defRPr>
+            </a:lvl1pPr>
+            <a:lvl2pPr marL="742950" indent="-285750" eaLnBrk="0" hangingPunct="0">
+              <a:defRPr sz="2400" b="1">
+                <a:solidFill>
+                  <a:schemeClr val="tx1"/>
+                </a:solidFill>
+                <a:latin typeface="Tekton Pro" pitchFamily="-84" charset="0"/>
+                <a:ea typeface="ＭＳ Ｐゴシック" panose="020B0600070205080204" pitchFamily="34" charset="-128"/>
+              </a:defRPr>
+            </a:lvl2pPr>
+            <a:lvl3pPr marL="1143000" indent="-228600" eaLnBrk="0" hangingPunct="0">
+              <a:defRPr sz="2400" b="1">
+                <a:solidFill>
+                  <a:schemeClr val="tx1"/>
+                </a:solidFill>
+                <a:latin typeface="Tekton Pro" pitchFamily="-84" charset="0"/>
+                <a:ea typeface="ＭＳ Ｐゴシック" panose="020B0600070205080204" pitchFamily="34" charset="-128"/>
+              </a:defRPr>
+            </a:lvl3pPr>
+            <a:lvl4pPr marL="1600200" indent="-228600" eaLnBrk="0" hangingPunct="0">
+              <a:defRPr sz="2400" b="1">
+                <a:solidFill>
+                  <a:schemeClr val="tx1"/>
+                </a:solidFill>
+                <a:latin typeface="Tekton Pro" pitchFamily="-84" charset="0"/>
+                <a:ea typeface="ＭＳ Ｐゴシック" panose="020B0600070205080204" pitchFamily="34" charset="-128"/>
+              </a:defRPr>
+            </a:lvl4pPr>
+            <a:lvl5pPr marL="2057400" indent="-228600" eaLnBrk="0" hangingPunct="0">
+              <a:defRPr sz="2400" b="1">
+                <a:solidFill>
+                  <a:schemeClr val="tx1"/>
+                </a:solidFill>
+                <a:latin typeface="Tekton Pro" pitchFamily="-84" charset="0"/>
+                <a:ea typeface="ＭＳ Ｐゴシック" panose="020B0600070205080204" pitchFamily="34" charset="-128"/>
+              </a:defRPr>
+            </a:lvl5pPr>
+            <a:lvl6pPr marL="2514600" indent="-228600" algn="ctr" eaLnBrk="0" fontAlgn="base" hangingPunct="0">
+              <a:spcBef>
+                <a:spcPct val="0"/>
+              </a:spcBef>
+              <a:spcAft>
+                <a:spcPct val="0"/>
+              </a:spcAft>
+              <a:defRPr sz="2400" b="1">
+                <a:solidFill>
+                  <a:schemeClr val="tx1"/>
+                </a:solidFill>
+                <a:latin typeface="Tekton Pro" pitchFamily="-84" charset="0"/>
+                <a:ea typeface="ＭＳ Ｐゴシック" panose="020B0600070205080204" pitchFamily="34" charset="-128"/>
+              </a:defRPr>
+            </a:lvl6pPr>
+            <a:lvl7pPr marL="2971800" indent="-228600" algn="ctr" eaLnBrk="0" fontAlgn="base" hangingPunct="0">
+              <a:spcBef>
+                <a:spcPct val="0"/>
+              </a:spcBef>
+              <a:spcAft>
+                <a:spcPct val="0"/>
+              </a:spcAft>
+              <a:defRPr sz="2400" b="1">
+                <a:solidFill>
+                  <a:schemeClr val="tx1"/>
+                </a:solidFill>
+                <a:latin typeface="Tekton Pro" pitchFamily="-84" charset="0"/>
+                <a:ea typeface="ＭＳ Ｐゴシック" panose="020B0600070205080204" pitchFamily="34" charset="-128"/>
+              </a:defRPr>
+            </a:lvl7pPr>
+            <a:lvl8pPr marL="3429000" indent="-228600" algn="ctr" eaLnBrk="0" fontAlgn="base" hangingPunct="0">
+              <a:spcBef>
+                <a:spcPct val="0"/>
+              </a:spcBef>
+              <a:spcAft>
+                <a:spcPct val="0"/>
+              </a:spcAft>
+              <a:defRPr sz="2400" b="1">
+                <a:solidFill>
+                  <a:schemeClr val="tx1"/>
+                </a:solidFill>
+                <a:latin typeface="Tekton Pro" pitchFamily="-84" charset="0"/>
+                <a:ea typeface="ＭＳ Ｐゴシック" panose="020B0600070205080204" pitchFamily="34" charset="-128"/>
+              </a:defRPr>
+            </a:lvl8pPr>
+            <a:lvl9pPr marL="3886200" indent="-228600" algn="ctr" eaLnBrk="0" fontAlgn="base" hangingPunct="0">
+              <a:spcBef>
+                <a:spcPct val="0"/>
+              </a:spcBef>
+              <a:spcAft>
+                <a:spcPct val="0"/>
+              </a:spcAft>
+              <a:defRPr sz="2400" b="1">
+                <a:solidFill>
+                  <a:schemeClr val="tx1"/>
+                </a:solidFill>
+                <a:latin typeface="Tekton Pro" pitchFamily="-84" charset="0"/>
+                <a:ea typeface="ＭＳ Ｐゴシック" panose="020B0600070205080204" pitchFamily="34" charset="-128"/>
+              </a:defRPr>
+            </a:lvl9pPr>
+          </a:lstStyle>
+          <a:p>
+            <a:endParaRPr lang="en-US" altLang="en-US" sz="2000"/>
+          </a:p>
+        </p:txBody>
+      </p:sp>
+      <p:sp>
+        <p:nvSpPr>
+          <p:cNvPr id="8" name="Rectangle 385">
+            <a:extLst>
+              <a:ext uri="{FF2B5EF4-FFF2-40B4-BE49-F238E27FC236}">
+                <a16:creationId xmlns:a16="http://schemas.microsoft.com/office/drawing/2014/main" id="{9120EEA9-4DE7-9388-8043-820332F1F316}"/>
+              </a:ext>
+            </a:extLst>
+          </p:cNvPr>
+          <p:cNvSpPr>
+            <a:spLocks noChangeArrowheads="1"/>
+          </p:cNvSpPr>
+          <p:nvPr/>
+        </p:nvSpPr>
+        <p:spPr bwMode="auto">
+          <a:xfrm>
+            <a:off x="6324600" y="1828800"/>
+            <a:ext cx="1828800" cy="528991"/>
+          </a:xfrm>
+          <a:prstGeom prst="rect">
+            <a:avLst/>
+          </a:prstGeom>
+          <a:noFill/>
+          <a:ln>
+            <a:noFill/>
+          </a:ln>
+          <a:extLst>
+            <a:ext uri="{909E8E84-426E-40DD-AFC4-6F175D3DCCD1}">
+              <a14:hiddenFill xmlns:a14="http://schemas.microsoft.com/office/drawing/2010/main">
+                <a:solidFill>
+                  <a:srgbClr val="FFFFFF"/>
+                </a:solidFill>
+              </a14:hiddenFill>
+            </a:ext>
+            <a:ext uri="{91240B29-F687-4F45-9708-019B960494DF}">
+              <a14:hiddenLine xmlns:a14="http://schemas.microsoft.com/office/drawing/2010/main" w="12700">
+                <a:solidFill>
+                  <a:srgbClr val="000000"/>
+                </a:solidFill>
+                <a:miter lim="800000"/>
+                <a:headEnd/>
+                <a:tailEnd/>
+              </a14:hiddenLine>
+            </a:ext>
+          </a:extLst>
+        </p:spPr>
+        <p:txBody>
+          <a:bodyPr wrap="square" lIns="63500" tIns="25400" rIns="63500" bIns="25400">
+            <a:spAutoFit/>
+          </a:bodyPr>
+          <a:lstStyle>
+            <a:lvl1pPr eaLnBrk="0" hangingPunct="0">
+              <a:defRPr sz="2400" b="1">
+                <a:solidFill>
+                  <a:schemeClr val="tx1"/>
+                </a:solidFill>
+                <a:latin typeface="Tekton Pro" pitchFamily="-84" charset="0"/>
+                <a:ea typeface="ＭＳ Ｐゴシック" panose="020B0600070205080204" pitchFamily="34" charset="-128"/>
+              </a:defRPr>
+            </a:lvl1pPr>
+            <a:lvl2pPr marL="742950" indent="-285750" eaLnBrk="0" hangingPunct="0">
+              <a:defRPr sz="2400" b="1">
+                <a:solidFill>
+                  <a:schemeClr val="tx1"/>
+                </a:solidFill>
+                <a:latin typeface="Tekton Pro" pitchFamily="-84" charset="0"/>
+                <a:ea typeface="ＭＳ Ｐゴシック" panose="020B0600070205080204" pitchFamily="34" charset="-128"/>
+              </a:defRPr>
+            </a:lvl2pPr>
+            <a:lvl3pPr marL="1143000" indent="-228600" eaLnBrk="0" hangingPunct="0">
+              <a:defRPr sz="2400" b="1">
+                <a:solidFill>
+                  <a:schemeClr val="tx1"/>
+                </a:solidFill>
+                <a:latin typeface="Tekton Pro" pitchFamily="-84" charset="0"/>
+                <a:ea typeface="ＭＳ Ｐゴシック" panose="020B0600070205080204" pitchFamily="34" charset="-128"/>
+              </a:defRPr>
+            </a:lvl3pPr>
+            <a:lvl4pPr marL="1600200" indent="-228600" eaLnBrk="0" hangingPunct="0">
+              <a:defRPr sz="2400" b="1">
+                <a:solidFill>
+                  <a:schemeClr val="tx1"/>
+                </a:solidFill>
+                <a:latin typeface="Tekton Pro" pitchFamily="-84" charset="0"/>
+                <a:ea typeface="ＭＳ Ｐゴシック" panose="020B0600070205080204" pitchFamily="34" charset="-128"/>
+              </a:defRPr>
+            </a:lvl4pPr>
+            <a:lvl5pPr marL="2057400" indent="-228600" eaLnBrk="0" hangingPunct="0">
+              <a:defRPr sz="2400" b="1">
+                <a:solidFill>
+                  <a:schemeClr val="tx1"/>
+                </a:solidFill>
+                <a:latin typeface="Tekton Pro" pitchFamily="-84" charset="0"/>
+                <a:ea typeface="ＭＳ Ｐゴシック" panose="020B0600070205080204" pitchFamily="34" charset="-128"/>
+              </a:defRPr>
+            </a:lvl5pPr>
+            <a:lvl6pPr marL="2514600" indent="-228600" algn="ctr" eaLnBrk="0" fontAlgn="base" hangingPunct="0">
+              <a:spcBef>
+                <a:spcPct val="0"/>
+              </a:spcBef>
+              <a:spcAft>
+                <a:spcPct val="0"/>
+              </a:spcAft>
+              <a:defRPr sz="2400" b="1">
+                <a:solidFill>
+                  <a:schemeClr val="tx1"/>
+                </a:solidFill>
+                <a:latin typeface="Tekton Pro" pitchFamily="-84" charset="0"/>
+                <a:ea typeface="ＭＳ Ｐゴシック" panose="020B0600070205080204" pitchFamily="34" charset="-128"/>
+              </a:defRPr>
+            </a:lvl6pPr>
+            <a:lvl7pPr marL="2971800" indent="-228600" algn="ctr" eaLnBrk="0" fontAlgn="base" hangingPunct="0">
+              <a:spcBef>
+                <a:spcPct val="0"/>
+              </a:spcBef>
+              <a:spcAft>
+                <a:spcPct val="0"/>
+              </a:spcAft>
+              <a:defRPr sz="2400" b="1">
+                <a:solidFill>
+                  <a:schemeClr val="tx1"/>
+                </a:solidFill>
+                <a:latin typeface="Tekton Pro" pitchFamily="-84" charset="0"/>
+                <a:ea typeface="ＭＳ Ｐゴシック" panose="020B0600070205080204" pitchFamily="34" charset="-128"/>
+              </a:defRPr>
+            </a:lvl7pPr>
+            <a:lvl8pPr marL="3429000" indent="-228600" algn="ctr" eaLnBrk="0" fontAlgn="base" hangingPunct="0">
+              <a:spcBef>
+                <a:spcPct val="0"/>
+              </a:spcBef>
+              <a:spcAft>
+                <a:spcPct val="0"/>
+              </a:spcAft>
+              <a:defRPr sz="2400" b="1">
+                <a:solidFill>
+                  <a:schemeClr val="tx1"/>
+                </a:solidFill>
+                <a:latin typeface="Tekton Pro" pitchFamily="-84" charset="0"/>
+                <a:ea typeface="ＭＳ Ｐゴシック" panose="020B0600070205080204" pitchFamily="34" charset="-128"/>
+              </a:defRPr>
+            </a:lvl8pPr>
+            <a:lvl9pPr marL="3886200" indent="-228600" algn="ctr" eaLnBrk="0" fontAlgn="base" hangingPunct="0">
+              <a:spcBef>
+                <a:spcPct val="0"/>
+              </a:spcBef>
+              <a:spcAft>
+                <a:spcPct val="0"/>
+              </a:spcAft>
+              <a:defRPr sz="2400" b="1">
+                <a:solidFill>
+                  <a:schemeClr val="tx1"/>
+                </a:solidFill>
+                <a:latin typeface="Tekton Pro" pitchFamily="-84" charset="0"/>
+                <a:ea typeface="ＭＳ Ｐゴシック" panose="020B0600070205080204" pitchFamily="34" charset="-128"/>
+              </a:defRPr>
+            </a:lvl9pPr>
+          </a:lstStyle>
           <a:p>
             <a:pPr>
-              <a:defRPr/>
+              <a:lnSpc>
+                <a:spcPct val="97000"/>
+              </a:lnSpc>
             </a:pPr>
             <a:r>
-              <a:rPr lang="en-US" dirty="0"/>
-              <a:t>6.004x Computation Structures</a:t>
+              <a:rPr lang="en-US" altLang="en-US" sz="1600" dirty="0">
+                <a:latin typeface="Comic Sans MS" panose="030F0902030302020204" pitchFamily="66" charset="0"/>
+              </a:rPr>
+              <a:t>Fritz’</a:t>
+            </a:r>
+            <a:r>
+              <a:rPr lang="en-US" altLang="ja-JP" sz="1600" dirty="0">
+                <a:latin typeface="Comic Sans MS" panose="030F0902030302020204" pitchFamily="66" charset="0"/>
+              </a:rPr>
+              <a:t>s stack is easily overflowed</a:t>
+            </a:r>
+            <a:endParaRPr lang="en-US" altLang="en-US" sz="1600" dirty="0">
+              <a:latin typeface="Comic Sans MS" panose="030F0902030302020204" pitchFamily="66" charset="0"/>
+            </a:endParaRPr>
+          </a:p>
+        </p:txBody>
+      </p:sp>
+      <p:sp>
+        <p:nvSpPr>
+          <p:cNvPr id="9" name="Text Box 386">
+            <a:extLst>
+              <a:ext uri="{FF2B5EF4-FFF2-40B4-BE49-F238E27FC236}">
+                <a16:creationId xmlns:a16="http://schemas.microsoft.com/office/drawing/2014/main" id="{55ABCBD3-7E01-95F7-3031-010A75811301}"/>
+              </a:ext>
+            </a:extLst>
+          </p:cNvPr>
+          <p:cNvSpPr txBox="1">
+            <a:spLocks noChangeArrowheads="1"/>
+          </p:cNvSpPr>
+          <p:nvPr/>
+        </p:nvSpPr>
+        <p:spPr bwMode="auto">
+          <a:xfrm>
+            <a:off x="990600" y="1465263"/>
+            <a:ext cx="2209800" cy="3689472"/>
+          </a:xfrm>
+          <a:prstGeom prst="rect">
+            <a:avLst/>
+          </a:prstGeom>
+          <a:noFill/>
+          <a:ln>
+            <a:noFill/>
+          </a:ln>
+          <a:extLst>
+            <a:ext uri="{909E8E84-426E-40DD-AFC4-6F175D3DCCD1}">
+              <a14:hiddenFill xmlns:a14="http://schemas.microsoft.com/office/drawing/2010/main">
+                <a:solidFill>
+                  <a:srgbClr val="FFFFFF"/>
+                </a:solidFill>
+              </a14:hiddenFill>
+            </a:ext>
+            <a:ext uri="{91240B29-F687-4F45-9708-019B960494DF}">
+              <a14:hiddenLine xmlns:a14="http://schemas.microsoft.com/office/drawing/2010/main" w="9525">
+                <a:solidFill>
+                  <a:srgbClr val="000000"/>
+                </a:solidFill>
+                <a:miter lim="800000"/>
+                <a:headEnd/>
+                <a:tailEnd/>
+              </a14:hiddenLine>
+            </a:ext>
+          </a:extLst>
+        </p:spPr>
+        <p:txBody>
+          <a:bodyPr>
+            <a:spAutoFit/>
+          </a:bodyPr>
+          <a:lstStyle>
+            <a:lvl1pPr eaLnBrk="0" hangingPunct="0">
+              <a:defRPr sz="2400" b="1">
+                <a:solidFill>
+                  <a:schemeClr val="tx1"/>
+                </a:solidFill>
+                <a:latin typeface="Tekton Pro" pitchFamily="-84" charset="0"/>
+                <a:ea typeface="ＭＳ Ｐゴシック" panose="020B0600070205080204" pitchFamily="34" charset="-128"/>
+              </a:defRPr>
+            </a:lvl1pPr>
+            <a:lvl2pPr marL="742950" indent="-285750" eaLnBrk="0" hangingPunct="0">
+              <a:defRPr sz="2400" b="1">
+                <a:solidFill>
+                  <a:schemeClr val="tx1"/>
+                </a:solidFill>
+                <a:latin typeface="Tekton Pro" pitchFamily="-84" charset="0"/>
+                <a:ea typeface="ＭＳ Ｐゴシック" panose="020B0600070205080204" pitchFamily="34" charset="-128"/>
+              </a:defRPr>
+            </a:lvl2pPr>
+            <a:lvl3pPr marL="1143000" indent="-228600" eaLnBrk="0" hangingPunct="0">
+              <a:defRPr sz="2400" b="1">
+                <a:solidFill>
+                  <a:schemeClr val="tx1"/>
+                </a:solidFill>
+                <a:latin typeface="Tekton Pro" pitchFamily="-84" charset="0"/>
+                <a:ea typeface="ＭＳ Ｐゴシック" panose="020B0600070205080204" pitchFamily="34" charset="-128"/>
+              </a:defRPr>
+            </a:lvl3pPr>
+            <a:lvl4pPr marL="1600200" indent="-228600" eaLnBrk="0" hangingPunct="0">
+              <a:defRPr sz="2400" b="1">
+                <a:solidFill>
+                  <a:schemeClr val="tx1"/>
+                </a:solidFill>
+                <a:latin typeface="Tekton Pro" pitchFamily="-84" charset="0"/>
+                <a:ea typeface="ＭＳ Ｐゴシック" panose="020B0600070205080204" pitchFamily="34" charset="-128"/>
+              </a:defRPr>
+            </a:lvl4pPr>
+            <a:lvl5pPr marL="2057400" indent="-228600" eaLnBrk="0" hangingPunct="0">
+              <a:defRPr sz="2400" b="1">
+                <a:solidFill>
+                  <a:schemeClr val="tx1"/>
+                </a:solidFill>
+                <a:latin typeface="Tekton Pro" pitchFamily="-84" charset="0"/>
+                <a:ea typeface="ＭＳ Ｐゴシック" panose="020B0600070205080204" pitchFamily="34" charset="-128"/>
+              </a:defRPr>
+            </a:lvl5pPr>
+            <a:lvl6pPr marL="2514600" indent="-228600" algn="ctr" eaLnBrk="0" fontAlgn="base" hangingPunct="0">
+              <a:spcBef>
+                <a:spcPct val="0"/>
+              </a:spcBef>
+              <a:spcAft>
+                <a:spcPct val="0"/>
+              </a:spcAft>
+              <a:defRPr sz="2400" b="1">
+                <a:solidFill>
+                  <a:schemeClr val="tx1"/>
+                </a:solidFill>
+                <a:latin typeface="Tekton Pro" pitchFamily="-84" charset="0"/>
+                <a:ea typeface="ＭＳ Ｐゴシック" panose="020B0600070205080204" pitchFamily="34" charset="-128"/>
+              </a:defRPr>
+            </a:lvl6pPr>
+            <a:lvl7pPr marL="2971800" indent="-228600" algn="ctr" eaLnBrk="0" fontAlgn="base" hangingPunct="0">
+              <a:spcBef>
+                <a:spcPct val="0"/>
+              </a:spcBef>
+              <a:spcAft>
+                <a:spcPct val="0"/>
+              </a:spcAft>
+              <a:defRPr sz="2400" b="1">
+                <a:solidFill>
+                  <a:schemeClr val="tx1"/>
+                </a:solidFill>
+                <a:latin typeface="Tekton Pro" pitchFamily="-84" charset="0"/>
+                <a:ea typeface="ＭＳ Ｐゴシック" panose="020B0600070205080204" pitchFamily="34" charset="-128"/>
+              </a:defRPr>
+            </a:lvl7pPr>
+            <a:lvl8pPr marL="3429000" indent="-228600" algn="ctr" eaLnBrk="0" fontAlgn="base" hangingPunct="0">
+              <a:spcBef>
+                <a:spcPct val="0"/>
+              </a:spcBef>
+              <a:spcAft>
+                <a:spcPct val="0"/>
+              </a:spcAft>
+              <a:defRPr sz="2400" b="1">
+                <a:solidFill>
+                  <a:schemeClr val="tx1"/>
+                </a:solidFill>
+                <a:latin typeface="Tekton Pro" pitchFamily="-84" charset="0"/>
+                <a:ea typeface="ＭＳ Ｐゴシック" panose="020B0600070205080204" pitchFamily="34" charset="-128"/>
+              </a:defRPr>
+            </a:lvl8pPr>
+            <a:lvl9pPr marL="3886200" indent="-228600" algn="ctr" eaLnBrk="0" fontAlgn="base" hangingPunct="0">
+              <a:spcBef>
+                <a:spcPct val="0"/>
+              </a:spcBef>
+              <a:spcAft>
+                <a:spcPct val="0"/>
+              </a:spcAft>
+              <a:defRPr sz="2400" b="1">
+                <a:solidFill>
+                  <a:schemeClr val="tx1"/>
+                </a:solidFill>
+                <a:latin typeface="Tekton Pro" pitchFamily="-84" charset="0"/>
+                <a:ea typeface="ＭＳ Ｐゴシック" panose="020B0600070205080204" pitchFamily="34" charset="-128"/>
+              </a:defRPr>
+            </a:lvl9pPr>
+          </a:lstStyle>
+          <a:p>
+            <a:pPr algn="l">
+              <a:lnSpc>
+                <a:spcPct val="95000"/>
+              </a:lnSpc>
+            </a:pPr>
+            <a:r>
+              <a:rPr lang="en-US" altLang="en-US" sz="1500" b="0" dirty="0">
+                <a:latin typeface="Comic Sans MS" panose="030F0902030302020204" pitchFamily="66" charset="0"/>
+              </a:rPr>
+              <a:t>Lets see, before going to class, I’</a:t>
+            </a:r>
+            <a:r>
+              <a:rPr lang="en-US" altLang="ja-JP" sz="1500" b="0" dirty="0">
+                <a:latin typeface="Comic Sans MS" panose="030F0902030302020204" pitchFamily="66" charset="0"/>
+              </a:rPr>
+              <a:t>d better look over my 6.004 notes… but I’ll need to find my backpack first… that means I’ll need to find the car… meaning, I’ll need to remember where I parked it… maybe it would help if I could remember where I was last night… um, I forget, what was I going to do...</a:t>
             </a:r>
           </a:p>
           <a:p>
-            <a:pPr>
-              <a:defRPr/>
-            </a:pPr>
-            <a:r>
-              <a:rPr lang="en-US" dirty="0"/>
-              <a:t>Part 2 – Computer Architecture</a:t>
-            </a:r>
-          </a:p>
-          <a:p>
-            <a:pPr>
-              <a:defRPr/>
-            </a:pPr>
-            <a:endParaRPr lang="en-US" dirty="0"/>
-          </a:p>
-          <a:p>
-            <a:pPr>
-              <a:defRPr/>
-            </a:pPr>
-            <a:r>
-              <a:rPr lang="en-US" dirty="0"/>
-              <a:t>Copyright © 2015 MIT EECS</a:t>
-            </a:r>
+            <a:pPr algn="l"/>
+            <a:endParaRPr lang="en-US" altLang="en-US" sz="2000" b="0" dirty="0"/>
           </a:p>
         </p:txBody>
       </p:sp>
